--- a/Documents/TB 2014.10.28.pptx
+++ b/Documents/TB 2014.10.28.pptx
@@ -243,7 +243,7 @@
               <a:pPr>
                 <a:defRPr/>
               </a:pPr>
-              <a:t>30/10/2014</a:t>
+              <a:t>06/11/2014</a:t>
             </a:fld>
             <a:endParaRPr lang="fr-FR"/>
           </a:p>
@@ -7722,19 +7722,7 @@
             <a:pPr eaLnBrk="1" hangingPunct="1"/>
             <a:r>
               <a:rPr lang="fr-FR" dirty="0" smtClean="0"/>
-              <a:t>Tableau de bord – </a:t>
-            </a:r>
-            <a:r>
-              <a:rPr lang="fr-FR" dirty="0" smtClean="0"/>
-              <a:t>Projet</a:t>
-            </a:r>
-            <a:r>
-              <a:rPr lang="fr-FR" dirty="0" smtClean="0"/>
-              <a:t>: </a:t>
-            </a:r>
-            <a:r>
-              <a:rPr lang="fr-FR" dirty="0" smtClean="0"/>
-              <a:t>pi-</a:t>
+              <a:t>Tableau de bord – Projet: pi-</a:t>
             </a:r>
             <a:r>
               <a:rPr lang="fr-FR" dirty="0" err="1" smtClean="0"/>
@@ -7770,13 +7758,8 @@
             </a:r>
             <a:r>
               <a:rPr lang="fr-FR" dirty="0" smtClean="0"/>
-              <a:t>le </a:t>
-            </a:r>
-            <a:r>
-              <a:rPr lang="fr-FR" dirty="0" smtClean="0"/>
-              <a:t>14/10/14</a:t>
-            </a:r>
-            <a:endParaRPr lang="fr-FR" dirty="0" smtClean="0"/>
+              <a:t>le 14/10/14</a:t>
+            </a:r>
           </a:p>
           <a:p>
             <a:endParaRPr lang="fr-FR" b="0" i="1" dirty="0"/>
@@ -8233,14 +8216,14 @@
             <p:ph idx="1"/>
             <p:extLst>
               <p:ext uri="{D42A27DB-BD31-4B8C-83A1-F6EECF244321}">
-                <p14:modId xmlns:p14="http://schemas.microsoft.com/office/powerpoint/2010/main" val="2503170852"/>
+                <p14:modId xmlns:p14="http://schemas.microsoft.com/office/powerpoint/2010/main" val="3573933240"/>
               </p:ext>
             </p:extLst>
           </p:nvPr>
         </p:nvGraphicFramePr>
         <p:xfrm>
           <a:off x="323528" y="1340768"/>
-          <a:ext cx="8640960" cy="2540675"/>
+          <a:ext cx="8640960" cy="2376264"/>
         </p:xfrm>
         <a:graphic>
           <a:graphicData uri="http://schemas.openxmlformats.org/drawingml/2006/table">
@@ -8406,7 +8389,7 @@
                   </a:tcPr>
                 </a:tc>
               </a:tr>
-              <a:tr h="2022515">
+              <a:tr h="1858104">
                 <a:tc>
                   <a:txBody>
                     <a:bodyPr/>
@@ -8431,7 +8414,15 @@
                       </a:pPr>
                       <a:r>
                         <a:rPr lang="fr-FR" sz="1400" b="0" baseline="0" noProof="0" dirty="0" smtClean="0"/>
-                        <a:t>- Définition d’une architecture prototype : 0,5j/h</a:t>
+                        <a:t>- Définition </a:t>
+                      </a:r>
+                      <a:r>
+                        <a:rPr lang="fr-FR" sz="1400" b="0" baseline="0" noProof="0" dirty="0" smtClean="0"/>
+                        <a:t>de l’architecture du système </a:t>
+                      </a:r>
+                      <a:r>
+                        <a:rPr lang="fr-FR" sz="1400" b="0" baseline="0" noProof="0" dirty="0" smtClean="0"/>
+                        <a:t>: 0,5j/h</a:t>
                       </a:r>
                     </a:p>
                     <a:p>
@@ -8576,8 +8567,40 @@
                       </a:pPr>
                       <a:r>
                         <a:rPr lang="fr-FR" sz="1400" b="0" i="0" baseline="0" noProof="0" dirty="0" smtClean="0"/>
-                        <a:t>- Maintenir le tableau de bord : 1j/h</a:t>
+                        <a:t>- Maintenir </a:t>
                       </a:r>
+                      <a:r>
+                        <a:rPr lang="fr-FR" sz="1400" b="0" i="0" baseline="0" noProof="0" dirty="0" smtClean="0"/>
+                        <a:t>le tableau de bord : </a:t>
+                      </a:r>
+                      <a:r>
+                        <a:rPr lang="fr-FR" sz="1400" b="0" i="0" baseline="0" noProof="0" dirty="0" smtClean="0"/>
+                        <a:t>1j/h</a:t>
+                      </a:r>
+                    </a:p>
+                    <a:p>
+                      <a:pPr marL="0" marR="0" indent="0" algn="l" defTabSz="914400" rtl="0" eaLnBrk="1" fontAlgn="auto" latinLnBrk="0" hangingPunct="1">
+                        <a:lnSpc>
+                          <a:spcPct val="100000"/>
+                        </a:lnSpc>
+                        <a:spcBef>
+                          <a:spcPts val="0"/>
+                        </a:spcBef>
+                        <a:spcAft>
+                          <a:spcPts val="0"/>
+                        </a:spcAft>
+                        <a:buClrTx/>
+                        <a:buSzTx/>
+                        <a:buFontTx/>
+                        <a:buNone/>
+                        <a:tabLst/>
+                        <a:defRPr/>
+                      </a:pPr>
+                      <a:r>
+                        <a:rPr lang="fr-FR" sz="1400" b="0" i="0" baseline="0" noProof="0" dirty="0" smtClean="0"/>
+                        <a:t>- Rédaction du WBS : 1j/h</a:t>
+                      </a:r>
+                      <a:endParaRPr lang="fr-FR" sz="1400" b="0" i="0" baseline="0" noProof="0" dirty="0" smtClean="0"/>
                     </a:p>
                     <a:p>
                       <a:pPr marL="0" marR="0" indent="0" algn="l" defTabSz="914400" rtl="0" eaLnBrk="1" fontAlgn="auto" latinLnBrk="0" hangingPunct="1">
@@ -8622,7 +8645,15 @@
                       </a:pPr>
                       <a:r>
                         <a:rPr lang="fr-FR" sz="1400" b="0" i="0" baseline="0" noProof="0" dirty="0" smtClean="0"/>
-                        <a:t>- Réalisation du prototype 0.1 : 3j/h</a:t>
+                        <a:t>- </a:t>
+                      </a:r>
+                      <a:r>
+                        <a:rPr lang="fr-FR" sz="1400" b="0" i="0" baseline="0" noProof="0" dirty="0" smtClean="0"/>
+                        <a:t>Mise en place de l’environnement de test : </a:t>
+                      </a:r>
+                      <a:r>
+                        <a:rPr lang="fr-FR" sz="1400" b="0" i="0" baseline="0" noProof="0" dirty="0" smtClean="0"/>
+                        <a:t>3j/h</a:t>
                       </a:r>
                     </a:p>
                     <a:p>
@@ -8647,7 +8678,6 @@
                         <a:rPr lang="fr-FR" sz="1400" b="0" i="0" baseline="0" noProof="0" dirty="0" smtClean="0"/>
                         <a:t>- Rédiger un manuel utilisateur pour le test du serveur : 1j/h</a:t>
                       </a:r>
-                      <a:endParaRPr lang="fr-FR" sz="1400" b="0" i="0" baseline="0" noProof="0" dirty="0" smtClean="0"/>
                     </a:p>
                   </a:txBody>
                   <a:tcPr>
@@ -8703,13 +8733,13 @@
           <p:nvPr>
             <p:extLst>
               <p:ext uri="{D42A27DB-BD31-4B8C-83A1-F6EECF244321}">
-                <p14:modId xmlns:p14="http://schemas.microsoft.com/office/powerpoint/2010/main" val="4182507585"/>
+                <p14:modId xmlns:p14="http://schemas.microsoft.com/office/powerpoint/2010/main" val="605900769"/>
               </p:ext>
             </p:extLst>
           </p:nvPr>
         </p:nvGraphicFramePr>
         <p:xfrm>
-          <a:off x="323528" y="3789040"/>
+          <a:off x="323528" y="3717032"/>
           <a:ext cx="8640960" cy="2404864"/>
         </p:xfrm>
         <a:graphic>
@@ -8963,11 +8993,7 @@
                       </a:r>
                       <a:r>
                         <a:rPr lang="fr-FR" sz="1400" baseline="0" dirty="0" smtClean="0"/>
-                        <a:t> </a:t>
-                      </a:r>
-                      <a:r>
-                        <a:rPr lang="fr-FR" sz="1400" baseline="0" smtClean="0"/>
-                        <a:t>alimentation d’un </a:t>
+                        <a:t> alimentation d’un </a:t>
                       </a:r>
                       <a:r>
                         <a:rPr lang="fr-FR" sz="1400" baseline="0" dirty="0" err="1" smtClean="0"/>
@@ -9345,7 +9371,7 @@
           <p:nvPr>
             <p:extLst>
               <p:ext uri="{D42A27DB-BD31-4B8C-83A1-F6EECF244321}">
-                <p14:modId xmlns:p14="http://schemas.microsoft.com/office/powerpoint/2010/main" val="1581615390"/>
+                <p14:modId xmlns:p14="http://schemas.microsoft.com/office/powerpoint/2010/main" val="468675592"/>
               </p:ext>
             </p:extLst>
           </p:nvPr>
@@ -9568,29 +9594,7 @@
                           <a:ea typeface="+mn-ea"/>
                           <a:cs typeface="+mn-cs"/>
                         </a:rPr>
-                        <a:t>Date </a:t>
-                      </a:r>
-                      <a:r>
-                        <a:rPr lang="fr-FR" sz="1400" b="1" kern="1200" dirty="0" smtClean="0">
-                          <a:solidFill>
-                            <a:srgbClr val="FF0000"/>
-                          </a:solidFill>
-                          <a:latin typeface="+mn-lt"/>
-                          <a:ea typeface="+mn-ea"/>
-                          <a:cs typeface="+mn-cs"/>
-                        </a:rPr>
-                        <a:t>de fin </a:t>
-                      </a:r>
-                      <a:r>
-                        <a:rPr lang="fr-FR" sz="1400" b="1" kern="1200" dirty="0" smtClean="0">
-                          <a:solidFill>
-                            <a:srgbClr val="FF0000"/>
-                          </a:solidFill>
-                          <a:latin typeface="+mn-lt"/>
-                          <a:ea typeface="+mn-ea"/>
-                          <a:cs typeface="+mn-cs"/>
-                        </a:rPr>
-                        <a:t>réelle</a:t>
+                        <a:t>Date de fin réelle</a:t>
                       </a:r>
                       <a:endParaRPr lang="en-GB" sz="1400" b="1" kern="1200" dirty="0" smtClean="0">
                         <a:solidFill>
@@ -10224,7 +10228,7 @@
                             <a:schemeClr val="tx1"/>
                           </a:solidFill>
                         </a:rPr>
-                        <a:t>Réalisation du prototype 0.1</a:t>
+                        <a:t>Mise en place de l’environnement de test</a:t>
                       </a:r>
                       <a:endParaRPr lang="fr-FR" sz="1400" dirty="0">
                         <a:solidFill>
@@ -10833,11 +10837,7 @@
           <a:p>
             <a:r>
               <a:rPr lang="fr-FR" dirty="0" smtClean="0"/>
-              <a:t>Avancement des livrables au </a:t>
-            </a:r>
-            <a:r>
-              <a:rPr lang="fr-FR" dirty="0" smtClean="0"/>
-              <a:t>28/10/14 </a:t>
+              <a:t>Avancement des livrables au 28/10/14 </a:t>
             </a:r>
             <a:r>
               <a:rPr lang="en-GB" dirty="0"/>
@@ -10888,14 +10888,14 @@
           <p:nvPr>
             <p:extLst>
               <p:ext uri="{D42A27DB-BD31-4B8C-83A1-F6EECF244321}">
-                <p14:modId xmlns:p14="http://schemas.microsoft.com/office/powerpoint/2010/main" val="906668538"/>
+                <p14:modId xmlns:p14="http://schemas.microsoft.com/office/powerpoint/2010/main" val="2598168549"/>
               </p:ext>
             </p:extLst>
           </p:nvPr>
         </p:nvGraphicFramePr>
         <p:xfrm>
           <a:off x="395538" y="1628798"/>
-          <a:ext cx="8424934" cy="4196446"/>
+          <a:ext cx="8424934" cy="3678286"/>
         </p:xfrm>
         <a:graphic>
           <a:graphicData uri="http://schemas.openxmlformats.org/drawingml/2006/table">
@@ -11122,18 +11122,7 @@
                           <a:ea typeface="+mn-ea"/>
                           <a:cs typeface="+mn-cs"/>
                         </a:rPr>
-                        <a:t>Date </a:t>
-                      </a:r>
-                      <a:r>
-                        <a:rPr lang="fr-FR" sz="1400" b="1" kern="1200" dirty="0" smtClean="0">
-                          <a:solidFill>
-                            <a:srgbClr val="FF0000"/>
-                          </a:solidFill>
-                          <a:latin typeface="+mn-lt"/>
-                          <a:ea typeface="+mn-ea"/>
-                          <a:cs typeface="+mn-cs"/>
-                        </a:rPr>
-                        <a:t>de livraison</a:t>
+                        <a:t>Date de livraison</a:t>
                       </a:r>
                       <a:r>
                         <a:rPr lang="fr-FR" sz="1400" b="1" kern="1200" baseline="0" dirty="0" smtClean="0">
@@ -11455,14 +11444,6 @@
                         </a:rPr>
                         <a:t>STR</a:t>
                       </a:r>
-                      <a:endParaRPr lang="fr-FR" sz="1400" kern="1200" dirty="0" smtClean="0">
-                        <a:solidFill>
-                          <a:schemeClr val="tx1"/>
-                        </a:solidFill>
-                        <a:latin typeface="+mn-lt"/>
-                        <a:ea typeface="Calibri"/>
-                        <a:cs typeface="Times New Roman"/>
-                      </a:endParaRPr>
                     </a:p>
                   </a:txBody>
                   <a:tcPr/>
@@ -11592,14 +11573,6 @@
                         </a:rPr>
                         <a:t>Kit de livraison</a:t>
                       </a:r>
-                      <a:endParaRPr lang="fr-FR" sz="1400" kern="1200" dirty="0" smtClean="0">
-                        <a:solidFill>
-                          <a:schemeClr val="tx1"/>
-                        </a:solidFill>
-                        <a:latin typeface="+mn-lt"/>
-                        <a:ea typeface="Calibri"/>
-                        <a:cs typeface="Times New Roman"/>
-                      </a:endParaRPr>
                     </a:p>
                   </a:txBody>
                   <a:tcPr/>
@@ -11701,43 +11674,35 @@
                     <a:bodyPr/>
                     <a:lstStyle/>
                     <a:p>
-                      <a:pPr marL="0" marR="0" indent="0" algn="l" defTabSz="914400" rtl="0" eaLnBrk="1" fontAlgn="auto" latinLnBrk="0" hangingPunct="1">
-                        <a:lnSpc>
-                          <a:spcPct val="100000"/>
-                        </a:lnSpc>
-                        <a:spcBef>
-                          <a:spcPts val="0"/>
-                        </a:spcBef>
-                        <a:spcAft>
-                          <a:spcPts val="0"/>
-                        </a:spcAft>
-                        <a:buClrTx/>
-                        <a:buSzTx/>
-                        <a:buFontTx/>
-                        <a:buNone/>
-                        <a:tabLst/>
-                        <a:defRPr/>
-                      </a:pPr>
-                      <a:r>
-                        <a:rPr lang="fr-FR" sz="1400" kern="1200" dirty="0" smtClean="0">
-                          <a:solidFill>
-                            <a:schemeClr val="tx1"/>
-                          </a:solidFill>
-                          <a:latin typeface="+mn-lt"/>
-                          <a:ea typeface="Calibri"/>
-                          <a:cs typeface="Times New Roman"/>
-                        </a:rPr>
-                        <a:t>Prototype 0.1</a:t>
-                      </a:r>
-                      <a:endParaRPr lang="fr-FR" sz="1400" kern="1200" dirty="0" smtClean="0">
+                      <a:endParaRPr lang="fr-FR" sz="1400" dirty="0">
                         <a:solidFill>
                           <a:schemeClr val="tx1"/>
                         </a:solidFill>
                         <a:latin typeface="+mn-lt"/>
-                        <a:ea typeface="Calibri"/>
-                        <a:cs typeface="Times New Roman"/>
-                      </a:endParaRPr>
-                    </a:p>
+                      </a:endParaRPr>
+                    </a:p>
+                  </a:txBody>
+                  <a:tcPr/>
+                </a:tc>
+                <a:tc>
+                  <a:txBody>
+                    <a:bodyPr/>
+                    <a:lstStyle/>
+                    <a:p>
+                      <a:endParaRPr lang="fr-FR" sz="1400">
+                        <a:solidFill>
+                          <a:schemeClr val="tx1"/>
+                        </a:solidFill>
+                        <a:latin typeface="+mn-lt"/>
+                      </a:endParaRPr>
+                    </a:p>
+                  </a:txBody>
+                  <a:tcPr/>
+                </a:tc>
+                <a:tc>
+                  <a:txBody>
+                    <a:bodyPr/>
+                    <a:lstStyle/>
                     <a:p>
                       <a:endParaRPr lang="fr-FR" sz="1400" dirty="0">
                         <a:solidFill>
@@ -11769,24 +11734,21 @@
                     <a:bodyPr/>
                     <a:lstStyle/>
                     <a:p>
-                      <a:r>
-                        <a:rPr lang="fr-FR" sz="1400" dirty="0" smtClean="0">
-                          <a:solidFill>
-                            <a:schemeClr val="tx1"/>
-                          </a:solidFill>
-                          <a:latin typeface="+mn-lt"/>
-                        </a:rPr>
-                        <a:t>E. </a:t>
-                      </a:r>
-                      <a:r>
-                        <a:rPr lang="fr-FR" sz="1400" dirty="0" err="1" smtClean="0">
-                          <a:solidFill>
-                            <a:schemeClr val="tx1"/>
-                          </a:solidFill>
-                          <a:latin typeface="+mn-lt"/>
-                        </a:rPr>
-                        <a:t>Lécharny</a:t>
-                      </a:r>
+                      <a:endParaRPr lang="fr-FR" sz="1400">
+                        <a:solidFill>
+                          <a:schemeClr val="tx1"/>
+                        </a:solidFill>
+                        <a:latin typeface="+mn-lt"/>
+                      </a:endParaRPr>
+                    </a:p>
+                  </a:txBody>
+                  <a:tcPr/>
+                </a:tc>
+                <a:tc>
+                  <a:txBody>
+                    <a:bodyPr/>
+                    <a:lstStyle/>
+                    <a:p>
                       <a:endParaRPr lang="fr-FR" sz="1400" dirty="0">
                         <a:solidFill>
                           <a:schemeClr val="tx1"/>
@@ -11802,69 +11764,6 @@
                     <a:bodyPr/>
                     <a:lstStyle/>
                     <a:p>
-                      <a:r>
-                        <a:rPr lang="fr-FR" sz="1400" dirty="0" smtClean="0">
-                          <a:solidFill>
-                            <a:schemeClr val="tx1"/>
-                          </a:solidFill>
-                          <a:latin typeface="+mn-lt"/>
-                        </a:rPr>
-                        <a:t>11/11/14</a:t>
-                      </a:r>
-                      <a:endParaRPr lang="fr-FR" sz="1400" dirty="0">
-                        <a:solidFill>
-                          <a:schemeClr val="tx1"/>
-                        </a:solidFill>
-                        <a:latin typeface="+mn-lt"/>
-                      </a:endParaRPr>
-                    </a:p>
-                  </a:txBody>
-                  <a:tcPr/>
-                </a:tc>
-                <a:tc>
-                  <a:txBody>
-                    <a:bodyPr/>
-                    <a:lstStyle/>
-                    <a:p>
-                      <a:endParaRPr lang="fr-FR" sz="1400">
-                        <a:solidFill>
-                          <a:schemeClr val="tx1"/>
-                        </a:solidFill>
-                        <a:latin typeface="+mn-lt"/>
-                      </a:endParaRPr>
-                    </a:p>
-                  </a:txBody>
-                  <a:tcPr/>
-                </a:tc>
-                <a:tc>
-                  <a:txBody>
-                    <a:bodyPr/>
-                    <a:lstStyle/>
-                    <a:p>
-                      <a:endParaRPr lang="fr-FR" sz="1400">
-                        <a:solidFill>
-                          <a:schemeClr val="tx1"/>
-                        </a:solidFill>
-                        <a:latin typeface="+mn-lt"/>
-                      </a:endParaRPr>
-                    </a:p>
-                  </a:txBody>
-                  <a:tcPr/>
-                </a:tc>
-                <a:tc>
-                  <a:txBody>
-                    <a:bodyPr/>
-                    <a:lstStyle/>
-                    <a:p>
-                      <a:r>
-                        <a:rPr lang="fr-FR" sz="1400" dirty="0" smtClean="0">
-                          <a:solidFill>
-                            <a:schemeClr val="tx1"/>
-                          </a:solidFill>
-                          <a:latin typeface="+mn-lt"/>
-                        </a:rPr>
-                        <a:t>0%</a:t>
-                      </a:r>
                       <a:endParaRPr lang="fr-FR" sz="1400" dirty="0">
                         <a:solidFill>
                           <a:schemeClr val="tx1"/>
@@ -11883,113 +11782,6 @@
                     <a:lstStyle/>
                     <a:p>
                       <a:endParaRPr lang="fr-FR" sz="1400" dirty="0">
-                        <a:solidFill>
-                          <a:schemeClr val="tx1"/>
-                        </a:solidFill>
-                        <a:latin typeface="+mn-lt"/>
-                      </a:endParaRPr>
-                    </a:p>
-                  </a:txBody>
-                  <a:tcPr/>
-                </a:tc>
-                <a:tc>
-                  <a:txBody>
-                    <a:bodyPr/>
-                    <a:lstStyle/>
-                    <a:p>
-                      <a:endParaRPr lang="fr-FR" sz="1400">
-                        <a:solidFill>
-                          <a:schemeClr val="tx1"/>
-                        </a:solidFill>
-                        <a:latin typeface="+mn-lt"/>
-                      </a:endParaRPr>
-                    </a:p>
-                  </a:txBody>
-                  <a:tcPr/>
-                </a:tc>
-                <a:tc>
-                  <a:txBody>
-                    <a:bodyPr/>
-                    <a:lstStyle/>
-                    <a:p>
-                      <a:endParaRPr lang="fr-FR" sz="1400" dirty="0">
-                        <a:solidFill>
-                          <a:schemeClr val="tx1"/>
-                        </a:solidFill>
-                        <a:latin typeface="+mn-lt"/>
-                      </a:endParaRPr>
-                    </a:p>
-                  </a:txBody>
-                  <a:tcPr/>
-                </a:tc>
-                <a:tc>
-                  <a:txBody>
-                    <a:bodyPr/>
-                    <a:lstStyle/>
-                    <a:p>
-                      <a:endParaRPr lang="fr-FR" sz="1400">
-                        <a:solidFill>
-                          <a:schemeClr val="tx1"/>
-                        </a:solidFill>
-                        <a:latin typeface="+mn-lt"/>
-                      </a:endParaRPr>
-                    </a:p>
-                  </a:txBody>
-                  <a:tcPr/>
-                </a:tc>
-                <a:tc>
-                  <a:txBody>
-                    <a:bodyPr/>
-                    <a:lstStyle/>
-                    <a:p>
-                      <a:endParaRPr lang="fr-FR" sz="1400">
-                        <a:solidFill>
-                          <a:schemeClr val="tx1"/>
-                        </a:solidFill>
-                        <a:latin typeface="+mn-lt"/>
-                      </a:endParaRPr>
-                    </a:p>
-                  </a:txBody>
-                  <a:tcPr/>
-                </a:tc>
-                <a:tc>
-                  <a:txBody>
-                    <a:bodyPr/>
-                    <a:lstStyle/>
-                    <a:p>
-                      <a:endParaRPr lang="fr-FR" sz="1400" dirty="0">
-                        <a:solidFill>
-                          <a:schemeClr val="tx1"/>
-                        </a:solidFill>
-                        <a:latin typeface="+mn-lt"/>
-                      </a:endParaRPr>
-                    </a:p>
-                  </a:txBody>
-                  <a:tcPr/>
-                </a:tc>
-                <a:tc>
-                  <a:txBody>
-                    <a:bodyPr/>
-                    <a:lstStyle/>
-                    <a:p>
-                      <a:endParaRPr lang="fr-FR" sz="1400" dirty="0">
-                        <a:solidFill>
-                          <a:schemeClr val="tx1"/>
-                        </a:solidFill>
-                        <a:latin typeface="+mn-lt"/>
-                      </a:endParaRPr>
-                    </a:p>
-                  </a:txBody>
-                  <a:tcPr/>
-                </a:tc>
-              </a:tr>
-              <a:tr h="400314">
-                <a:tc>
-                  <a:txBody>
-                    <a:bodyPr/>
-                    <a:lstStyle/>
-                    <a:p>
-                      <a:endParaRPr lang="fr-FR" sz="1400">
                         <a:solidFill>
                           <a:schemeClr val="tx1"/>
                         </a:solidFill>
@@ -12459,7 +12251,7 @@
           <p:nvPr>
             <p:extLst>
               <p:ext uri="{D42A27DB-BD31-4B8C-83A1-F6EECF244321}">
-                <p14:modId xmlns:p14="http://schemas.microsoft.com/office/powerpoint/2010/main" val="3363095410"/>
+                <p14:modId xmlns:p14="http://schemas.microsoft.com/office/powerpoint/2010/main" val="2995875668"/>
               </p:ext>
             </p:extLst>
           </p:nvPr>
@@ -12771,14 +12563,6 @@
                         </a:rPr>
                         <a:t>STR</a:t>
                       </a:r>
-                      <a:endParaRPr lang="fr-FR" sz="1400" b="0" i="0" kern="1200" dirty="0" smtClean="0">
-                        <a:solidFill>
-                          <a:schemeClr val="tx1"/>
-                        </a:solidFill>
-                        <a:latin typeface="+mn-lt"/>
-                        <a:ea typeface="Calibri"/>
-                        <a:cs typeface="Times New Roman"/>
-                      </a:endParaRPr>
                     </a:p>
                   </a:txBody>
                   <a:tcPr/>
@@ -12893,14 +12677,6 @@
                         </a:rPr>
                         <a:t>Kit de livraison</a:t>
                       </a:r>
-                      <a:endParaRPr lang="fr-FR" sz="1400" b="0" i="0" kern="1200" dirty="0" smtClean="0">
-                        <a:solidFill>
-                          <a:schemeClr val="tx1"/>
-                        </a:solidFill>
-                        <a:latin typeface="+mn-lt"/>
-                        <a:ea typeface="Calibri"/>
-                        <a:cs typeface="Times New Roman"/>
-                      </a:endParaRPr>
                     </a:p>
                   </a:txBody>
                   <a:tcPr/>
@@ -13004,17 +12780,6 @@
                         <a:tabLst/>
                         <a:defRPr/>
                       </a:pPr>
-                      <a:r>
-                        <a:rPr lang="fr-FR" sz="1400" b="0" i="0" kern="1200" dirty="0" smtClean="0">
-                          <a:solidFill>
-                            <a:schemeClr val="tx1"/>
-                          </a:solidFill>
-                          <a:latin typeface="+mn-lt"/>
-                          <a:ea typeface="Calibri"/>
-                          <a:cs typeface="Times New Roman"/>
-                        </a:rPr>
-                        <a:t>Prototype 0.1</a:t>
-                      </a:r>
                       <a:endParaRPr lang="fr-FR" sz="1400" b="0" i="0" kern="1200" dirty="0" smtClean="0">
                         <a:solidFill>
                           <a:schemeClr val="tx1"/>
@@ -13062,15 +12827,6 @@
                     <a:bodyPr/>
                     <a:lstStyle/>
                     <a:p>
-                      <a:r>
-                        <a:rPr lang="fr-FR" sz="1400" b="0" i="0" dirty="0" smtClean="0">
-                          <a:solidFill>
-                            <a:schemeClr val="tx1"/>
-                          </a:solidFill>
-                          <a:latin typeface="+mn-lt"/>
-                        </a:rPr>
-                        <a:t>0%</a:t>
-                      </a:r>
                       <a:endParaRPr lang="fr-FR" sz="1400" b="0" i="0" dirty="0">
                         <a:solidFill>
                           <a:schemeClr val="tx1"/>
@@ -15463,70 +15219,6 @@
         <p:spPr bwMode="auto">
           <a:xfrm>
             <a:off x="3639339" y="4099733"/>
-            <a:ext cx="272416" cy="296914"/>
-          </a:xfrm>
-          <a:prstGeom prst="rect">
-            <a:avLst/>
-          </a:prstGeom>
-          <a:noFill/>
-          <a:ln w="9525">
-            <a:noFill/>
-            <a:miter lim="800000"/>
-            <a:headEnd/>
-            <a:tailEnd/>
-          </a:ln>
-        </p:spPr>
-      </p:pic>
-      <p:pic>
-        <p:nvPicPr>
-          <p:cNvPr id="21" name="Picture 63" descr="MCj04325890000[1]"/>
-          <p:cNvPicPr>
-            <a:picLocks noChangeAspect="1" noChangeArrowheads="1"/>
-          </p:cNvPicPr>
-          <p:nvPr/>
-        </p:nvPicPr>
-        <p:blipFill>
-          <a:blip r:embed="rId8" cstate="print"/>
-          <a:srcRect/>
-          <a:stretch>
-            <a:fillRect/>
-          </a:stretch>
-        </p:blipFill>
-        <p:spPr bwMode="auto">
-          <a:xfrm>
-            <a:off x="2339752" y="5022098"/>
-            <a:ext cx="279110" cy="279110"/>
-          </a:xfrm>
-          <a:prstGeom prst="rect">
-            <a:avLst/>
-          </a:prstGeom>
-          <a:noFill/>
-          <a:ln w="9525">
-            <a:noFill/>
-            <a:miter lim="800000"/>
-            <a:headEnd/>
-            <a:tailEnd/>
-          </a:ln>
-        </p:spPr>
-      </p:pic>
-      <p:pic>
-        <p:nvPicPr>
-          <p:cNvPr id="22" name="Picture 62"/>
-          <p:cNvPicPr>
-            <a:picLocks noChangeAspect="1" noChangeArrowheads="1"/>
-          </p:cNvPicPr>
-          <p:nvPr/>
-        </p:nvPicPr>
-        <p:blipFill>
-          <a:blip r:embed="rId7" cstate="print"/>
-          <a:srcRect r="93661"/>
-          <a:stretch>
-            <a:fillRect/>
-          </a:stretch>
-        </p:blipFill>
-        <p:spPr bwMode="auto">
-          <a:xfrm>
-            <a:off x="3660225" y="5004294"/>
             <a:ext cx="272416" cy="296914"/>
           </a:xfrm>
           <a:prstGeom prst="rect">
@@ -17204,6 +16896,25 @@
 </file>
 
 <file path=customXml/item1.xml><?xml version="1.0" encoding="utf-8"?>
+<?mso-contentType ?>
+<FormTemplates xmlns="http://schemas.microsoft.com/sharepoint/v3/contenttype/forms">
+  <Display>DocumentLibraryForm</Display>
+  <Edit>DocumentLibraryForm</Edit>
+  <New>DocumentLibraryForm</New>
+</FormTemplates>
+</file>
+
+<file path=customXml/item2.xml><?xml version="1.0" encoding="utf-8"?>
+<p:properties xmlns:p="http://schemas.microsoft.com/office/2006/metadata/properties" xmlns:xsi="http://www.w3.org/2001/XMLSchema-instance" xmlns:pc="http://schemas.microsoft.com/office/infopath/2007/PartnerControls">
+  <documentManagement>
+    <DESCRIPTION0 xmlns="ba304b05-2de2-4a46-be7c-fa23123e7702">Exemple de Modele de TB-projet</DESCRIPTION0>
+    <Cat_x00e9_gorie xmlns="ba304b05-2de2-4a46-be7c-fa23123e7702">Etude</Cat_x00e9_gorie>
+    <Statut xmlns="ba304b05-2de2-4a46-be7c-fa23123e7702">Encours</Statut>
+  </documentManagement>
+</p:properties>
+</file>
+
+<file path=customXml/item3.xml><?xml version="1.0" encoding="utf-8"?>
 <ct:contentTypeSchema xmlns:ct="http://schemas.microsoft.com/office/2006/metadata/contentType" xmlns:ma="http://schemas.microsoft.com/office/2006/metadata/properties/metaAttributes" ct:_="" ma:_="" ma:contentTypeName="Document" ma:contentTypeID="0x010100F4FB27D112975140984A018D31E93D46" ma:contentTypeVersion="6" ma:contentTypeDescription="Crée un document." ma:contentTypeScope="" ma:versionID="cd1a5a7e3b4fab495c8d03ccfa007047">
   <xsd:schema xmlns:xsd="http://www.w3.org/2001/XMLSchema" xmlns:xs="http://www.w3.org/2001/XMLSchema" xmlns:p="http://schemas.microsoft.com/office/2006/metadata/properties" xmlns:ns2="ba304b05-2de2-4a46-be7c-fa23123e7702" targetNamespace="http://schemas.microsoft.com/office/2006/metadata/properties" ma:root="true" ma:fieldsID="17380a433e5f01ac948fc83ff4e94548" ns2:_="">
     <xsd:import namespace="ba304b05-2de2-4a46-be7c-fa23123e7702"/>
@@ -17354,39 +17065,10 @@
 </ct:contentTypeSchema>
 </file>
 
-<file path=customXml/item2.xml><?xml version="1.0" encoding="utf-8"?>
-<p:properties xmlns:p="http://schemas.microsoft.com/office/2006/metadata/properties" xmlns:xsi="http://www.w3.org/2001/XMLSchema-instance" xmlns:pc="http://schemas.microsoft.com/office/infopath/2007/PartnerControls">
-  <documentManagement>
-    <DESCRIPTION0 xmlns="ba304b05-2de2-4a46-be7c-fa23123e7702">Exemple de Modele de TB-projet</DESCRIPTION0>
-    <Cat_x00e9_gorie xmlns="ba304b05-2de2-4a46-be7c-fa23123e7702">Etude</Cat_x00e9_gorie>
-    <Statut xmlns="ba304b05-2de2-4a46-be7c-fa23123e7702">Encours</Statut>
-  </documentManagement>
-</p:properties>
-</file>
-
-<file path=customXml/item3.xml><?xml version="1.0" encoding="utf-8"?>
-<?mso-contentType ?>
-<FormTemplates xmlns="http://schemas.microsoft.com/sharepoint/v3/contenttype/forms">
-  <Display>DocumentLibraryForm</Display>
-  <Edit>DocumentLibraryForm</Edit>
-  <New>DocumentLibraryForm</New>
-</FormTemplates>
-</file>
-
 <file path=customXml/itemProps1.xml><?xml version="1.0" encoding="utf-8"?>
-<ds:datastoreItem xmlns:ds="http://schemas.openxmlformats.org/officeDocument/2006/customXml" ds:itemID="{A0A82F11-A615-41E5-B460-7C061A4C892A}">
+<ds:datastoreItem xmlns:ds="http://schemas.openxmlformats.org/officeDocument/2006/customXml" ds:itemID="{F4C7E9DD-FD39-4258-ACCA-161BEA35866B}">
   <ds:schemaRefs>
-    <ds:schemaRef ds:uri="http://schemas.microsoft.com/office/2006/metadata/contentType"/>
-    <ds:schemaRef ds:uri="http://schemas.microsoft.com/office/2006/metadata/properties/metaAttributes"/>
-    <ds:schemaRef ds:uri="http://www.w3.org/2001/XMLSchema"/>
-    <ds:schemaRef ds:uri="http://schemas.microsoft.com/office/2006/metadata/properties"/>
-    <ds:schemaRef ds:uri="ba304b05-2de2-4a46-be7c-fa23123e7702"/>
-    <ds:schemaRef ds:uri="http://schemas.microsoft.com/office/2006/documentManagement/types"/>
-    <ds:schemaRef ds:uri="http://schemas.microsoft.com/office/infopath/2007/PartnerControls"/>
-    <ds:schemaRef ds:uri="http://schemas.openxmlformats.org/package/2006/metadata/core-properties"/>
-    <ds:schemaRef ds:uri="http://purl.org/dc/elements/1.1/"/>
-    <ds:schemaRef ds:uri="http://purl.org/dc/terms/"/>
-    <ds:schemaRef ds:uri="http://schemas.microsoft.com/internal/obd"/>
+    <ds:schemaRef ds:uri="http://schemas.microsoft.com/sharepoint/v3/contenttype/forms"/>
   </ds:schemaRefs>
 </ds:datastoreItem>
 </file>
@@ -17408,9 +17090,19 @@
 </file>
 
 <file path=customXml/itemProps3.xml><?xml version="1.0" encoding="utf-8"?>
-<ds:datastoreItem xmlns:ds="http://schemas.openxmlformats.org/officeDocument/2006/customXml" ds:itemID="{F4C7E9DD-FD39-4258-ACCA-161BEA35866B}">
+<ds:datastoreItem xmlns:ds="http://schemas.openxmlformats.org/officeDocument/2006/customXml" ds:itemID="{A0A82F11-A615-41E5-B460-7C061A4C892A}">
   <ds:schemaRefs>
-    <ds:schemaRef ds:uri="http://schemas.microsoft.com/sharepoint/v3/contenttype/forms"/>
+    <ds:schemaRef ds:uri="http://schemas.microsoft.com/office/2006/metadata/contentType"/>
+    <ds:schemaRef ds:uri="http://schemas.microsoft.com/office/2006/metadata/properties/metaAttributes"/>
+    <ds:schemaRef ds:uri="http://www.w3.org/2001/XMLSchema"/>
+    <ds:schemaRef ds:uri="http://schemas.microsoft.com/office/2006/metadata/properties"/>
+    <ds:schemaRef ds:uri="ba304b05-2de2-4a46-be7c-fa23123e7702"/>
+    <ds:schemaRef ds:uri="http://schemas.microsoft.com/office/2006/documentManagement/types"/>
+    <ds:schemaRef ds:uri="http://schemas.microsoft.com/office/infopath/2007/PartnerControls"/>
+    <ds:schemaRef ds:uri="http://schemas.openxmlformats.org/package/2006/metadata/core-properties"/>
+    <ds:schemaRef ds:uri="http://purl.org/dc/elements/1.1/"/>
+    <ds:schemaRef ds:uri="http://purl.org/dc/terms/"/>
+    <ds:schemaRef ds:uri="http://schemas.microsoft.com/internal/obd"/>
   </ds:schemaRefs>
 </ds:datastoreItem>
 </file>
--- a/Documents/TB 2014.10.28.pptx
+++ b/Documents/TB 2014.10.28.pptx
@@ -243,7 +243,7 @@
               <a:pPr>
                 <a:defRPr/>
               </a:pPr>
-              <a:t>06/11/2014</a:t>
+              <a:t>25/11/2014</a:t>
             </a:fld>
             <a:endParaRPr lang="fr-FR"/>
           </a:p>
@@ -7822,24 +7822,12 @@
           <a:bodyPr/>
           <a:lstStyle/>
           <a:p>
-            <a:pPr>
+            <a:pPr algn="ctr">
               <a:defRPr/>
             </a:pPr>
             <a:r>
-              <a:rPr lang="en-US" dirty="0" err="1" smtClean="0"/>
-              <a:t>Réf</a:t>
-            </a:r>
-            <a:r>
               <a:rPr lang="en-US" dirty="0" smtClean="0"/>
-              <a:t>. Du </a:t>
-            </a:r>
-            <a:r>
-              <a:rPr lang="en-US" dirty="0" err="1" smtClean="0"/>
-              <a:t>fichier</a:t>
-            </a:r>
-            <a:r>
-              <a:rPr lang="en-US" dirty="0" smtClean="0"/>
-              <a:t> – Date</a:t>
+              <a:t>TB 2014.10.28</a:t>
             </a:r>
             <a:endParaRPr lang="en-US" dirty="0"/>
           </a:p>
@@ -8414,15 +8402,7 @@
                       </a:pPr>
                       <a:r>
                         <a:rPr lang="fr-FR" sz="1400" b="0" baseline="0" noProof="0" dirty="0" smtClean="0"/>
-                        <a:t>- Définition </a:t>
-                      </a:r>
-                      <a:r>
-                        <a:rPr lang="fr-FR" sz="1400" b="0" baseline="0" noProof="0" dirty="0" smtClean="0"/>
-                        <a:t>de l’architecture du système </a:t>
-                      </a:r>
-                      <a:r>
-                        <a:rPr lang="fr-FR" sz="1400" b="0" baseline="0" noProof="0" dirty="0" smtClean="0"/>
-                        <a:t>: 0,5j/h</a:t>
+                        <a:t>- Définition de l’architecture du système : 0,5j/h</a:t>
                       </a:r>
                     </a:p>
                     <a:p>
@@ -8567,15 +8547,7 @@
                       </a:pPr>
                       <a:r>
                         <a:rPr lang="fr-FR" sz="1400" b="0" i="0" baseline="0" noProof="0" dirty="0" smtClean="0"/>
-                        <a:t>- Maintenir </a:t>
-                      </a:r>
-                      <a:r>
-                        <a:rPr lang="fr-FR" sz="1400" b="0" i="0" baseline="0" noProof="0" dirty="0" smtClean="0"/>
-                        <a:t>le tableau de bord : </a:t>
-                      </a:r>
-                      <a:r>
-                        <a:rPr lang="fr-FR" sz="1400" b="0" i="0" baseline="0" noProof="0" dirty="0" smtClean="0"/>
-                        <a:t>1j/h</a:t>
+                        <a:t>- Maintenir le tableau de bord : 1j/h</a:t>
                       </a:r>
                     </a:p>
                     <a:p>
@@ -8600,7 +8572,6 @@
                         <a:rPr lang="fr-FR" sz="1400" b="0" i="0" baseline="0" noProof="0" dirty="0" smtClean="0"/>
                         <a:t>- Rédaction du WBS : 1j/h</a:t>
                       </a:r>
-                      <a:endParaRPr lang="fr-FR" sz="1400" b="0" i="0" baseline="0" noProof="0" dirty="0" smtClean="0"/>
                     </a:p>
                     <a:p>
                       <a:pPr marL="0" marR="0" indent="0" algn="l" defTabSz="914400" rtl="0" eaLnBrk="1" fontAlgn="auto" latinLnBrk="0" hangingPunct="1">
@@ -8645,15 +8616,7 @@
                       </a:pPr>
                       <a:r>
                         <a:rPr lang="fr-FR" sz="1400" b="0" i="0" baseline="0" noProof="0" dirty="0" smtClean="0"/>
-                        <a:t>- </a:t>
-                      </a:r>
-                      <a:r>
-                        <a:rPr lang="fr-FR" sz="1400" b="0" i="0" baseline="0" noProof="0" dirty="0" smtClean="0"/>
-                        <a:t>Mise en place de l’environnement de test : </a:t>
-                      </a:r>
-                      <a:r>
-                        <a:rPr lang="fr-FR" sz="1400" b="0" i="0" baseline="0" noProof="0" dirty="0" smtClean="0"/>
-                        <a:t>3j/h</a:t>
+                        <a:t>- Mise en place de l’environnement de test : 3j/h</a:t>
                       </a:r>
                     </a:p>
                     <a:p>
@@ -9228,22 +9191,18 @@
               <a:defRPr/>
             </a:pPr>
             <a:r>
-              <a:rPr lang="en-US" dirty="0" err="1" smtClean="0"/>
-              <a:t>Réf</a:t>
+              <a:rPr lang="en-US" sz="1800" dirty="0">
+                <a:solidFill>
+                  <a:schemeClr val="tx1"/>
+                </a:solidFill>
+              </a:rPr>
+              <a:t>TB 2014.10.28</a:t>
             </a:r>
-            <a:r>
-              <a:rPr lang="en-US" dirty="0" smtClean="0"/>
-              <a:t>. Du </a:t>
-            </a:r>
-            <a:r>
-              <a:rPr lang="en-US" dirty="0" err="1" smtClean="0"/>
-              <a:t>fichier</a:t>
-            </a:r>
-            <a:r>
-              <a:rPr lang="en-US" dirty="0" smtClean="0"/>
-              <a:t> – Date</a:t>
-            </a:r>
-            <a:endParaRPr lang="en-US" dirty="0"/>
+            <a:endParaRPr lang="en-US" sz="1800" dirty="0">
+              <a:solidFill>
+                <a:schemeClr val="tx1"/>
+              </a:solidFill>
+            </a:endParaRPr>
           </a:p>
         </p:txBody>
       </p:sp>
@@ -10755,24 +10714,12 @@
           <a:bodyPr/>
           <a:lstStyle/>
           <a:p>
-            <a:pPr>
+            <a:pPr algn="ctr">
               <a:defRPr/>
             </a:pPr>
             <a:r>
-              <a:rPr lang="en-US" dirty="0" err="1" smtClean="0"/>
-              <a:t>Réf</a:t>
-            </a:r>
-            <a:r>
-              <a:rPr lang="en-US" dirty="0" smtClean="0"/>
-              <a:t>. Du </a:t>
-            </a:r>
-            <a:r>
-              <a:rPr lang="en-US" dirty="0" err="1" smtClean="0"/>
-              <a:t>fichier</a:t>
-            </a:r>
-            <a:r>
-              <a:rPr lang="en-US" dirty="0" smtClean="0"/>
-              <a:t> – Date</a:t>
+              <a:rPr lang="en-US" dirty="0"/>
+              <a:t>TB 2014.10.28</a:t>
             </a:r>
             <a:endParaRPr lang="en-US" dirty="0"/>
           </a:p>
@@ -12123,24 +12070,12 @@
           <a:bodyPr/>
           <a:lstStyle/>
           <a:p>
-            <a:pPr>
+            <a:pPr algn="ctr">
               <a:defRPr/>
             </a:pPr>
             <a:r>
-              <a:rPr lang="en-US" dirty="0" err="1" smtClean="0"/>
-              <a:t>Réf</a:t>
-            </a:r>
-            <a:r>
-              <a:rPr lang="en-US" dirty="0" smtClean="0"/>
-              <a:t>. Du </a:t>
-            </a:r>
-            <a:r>
-              <a:rPr lang="en-US" dirty="0" err="1" smtClean="0"/>
-              <a:t>fichier</a:t>
-            </a:r>
-            <a:r>
-              <a:rPr lang="en-US" dirty="0" smtClean="0"/>
-              <a:t> – Date</a:t>
+              <a:rPr lang="en-US" dirty="0"/>
+              <a:t>TB 2014.10.28</a:t>
             </a:r>
             <a:endParaRPr lang="en-US" dirty="0"/>
           </a:p>
@@ -15082,26 +15017,18 @@
               <a:defRPr/>
             </a:pPr>
             <a:r>
-              <a:rPr lang="en-US" dirty="0" err="1" smtClean="0"/>
-              <a:t>Réf</a:t>
+              <a:rPr lang="en-US" sz="1800" dirty="0">
+                <a:solidFill>
+                  <a:schemeClr val="tx1"/>
+                </a:solidFill>
+              </a:rPr>
+              <a:t>TB 2014.10.28</a:t>
             </a:r>
-            <a:r>
-              <a:rPr lang="en-US" dirty="0" smtClean="0"/>
-              <a:t>. Du </a:t>
-            </a:r>
-            <a:r>
-              <a:rPr lang="en-US" dirty="0" err="1" smtClean="0"/>
-              <a:t>fichier</a:t>
-            </a:r>
-            <a:r>
-              <a:rPr lang="en-US" dirty="0" smtClean="0"/>
-              <a:t> – Date </a:t>
-            </a:r>
-            <a:r>
-              <a:rPr lang="en-US" dirty="0" err="1" smtClean="0"/>
-              <a:t>Coproj</a:t>
-            </a:r>
-            <a:endParaRPr lang="en-US" dirty="0"/>
+            <a:endParaRPr lang="en-US" dirty="0">
+              <a:solidFill>
+                <a:schemeClr val="tx1"/>
+              </a:solidFill>
+            </a:endParaRPr>
           </a:p>
         </p:txBody>
       </p:sp>
@@ -16896,25 +16823,6 @@
 </file>
 
 <file path=customXml/item1.xml><?xml version="1.0" encoding="utf-8"?>
-<?mso-contentType ?>
-<FormTemplates xmlns="http://schemas.microsoft.com/sharepoint/v3/contenttype/forms">
-  <Display>DocumentLibraryForm</Display>
-  <Edit>DocumentLibraryForm</Edit>
-  <New>DocumentLibraryForm</New>
-</FormTemplates>
-</file>
-
-<file path=customXml/item2.xml><?xml version="1.0" encoding="utf-8"?>
-<p:properties xmlns:p="http://schemas.microsoft.com/office/2006/metadata/properties" xmlns:xsi="http://www.w3.org/2001/XMLSchema-instance" xmlns:pc="http://schemas.microsoft.com/office/infopath/2007/PartnerControls">
-  <documentManagement>
-    <DESCRIPTION0 xmlns="ba304b05-2de2-4a46-be7c-fa23123e7702">Exemple de Modele de TB-projet</DESCRIPTION0>
-    <Cat_x00e9_gorie xmlns="ba304b05-2de2-4a46-be7c-fa23123e7702">Etude</Cat_x00e9_gorie>
-    <Statut xmlns="ba304b05-2de2-4a46-be7c-fa23123e7702">Encours</Statut>
-  </documentManagement>
-</p:properties>
-</file>
-
-<file path=customXml/item3.xml><?xml version="1.0" encoding="utf-8"?>
 <ct:contentTypeSchema xmlns:ct="http://schemas.microsoft.com/office/2006/metadata/contentType" xmlns:ma="http://schemas.microsoft.com/office/2006/metadata/properties/metaAttributes" ct:_="" ma:_="" ma:contentTypeName="Document" ma:contentTypeID="0x010100F4FB27D112975140984A018D31E93D46" ma:contentTypeVersion="6" ma:contentTypeDescription="Crée un document." ma:contentTypeScope="" ma:versionID="cd1a5a7e3b4fab495c8d03ccfa007047">
   <xsd:schema xmlns:xsd="http://www.w3.org/2001/XMLSchema" xmlns:xs="http://www.w3.org/2001/XMLSchema" xmlns:p="http://schemas.microsoft.com/office/2006/metadata/properties" xmlns:ns2="ba304b05-2de2-4a46-be7c-fa23123e7702" targetNamespace="http://schemas.microsoft.com/office/2006/metadata/properties" ma:root="true" ma:fieldsID="17380a433e5f01ac948fc83ff4e94548" ns2:_="">
     <xsd:import namespace="ba304b05-2de2-4a46-be7c-fa23123e7702"/>
@@ -17065,10 +16973,39 @@
 </ct:contentTypeSchema>
 </file>
 
+<file path=customXml/item2.xml><?xml version="1.0" encoding="utf-8"?>
+<p:properties xmlns:p="http://schemas.microsoft.com/office/2006/metadata/properties" xmlns:xsi="http://www.w3.org/2001/XMLSchema-instance" xmlns:pc="http://schemas.microsoft.com/office/infopath/2007/PartnerControls">
+  <documentManagement>
+    <DESCRIPTION0 xmlns="ba304b05-2de2-4a46-be7c-fa23123e7702">Exemple de Modele de TB-projet</DESCRIPTION0>
+    <Cat_x00e9_gorie xmlns="ba304b05-2de2-4a46-be7c-fa23123e7702">Etude</Cat_x00e9_gorie>
+    <Statut xmlns="ba304b05-2de2-4a46-be7c-fa23123e7702">Encours</Statut>
+  </documentManagement>
+</p:properties>
+</file>
+
+<file path=customXml/item3.xml><?xml version="1.0" encoding="utf-8"?>
+<?mso-contentType ?>
+<FormTemplates xmlns="http://schemas.microsoft.com/sharepoint/v3/contenttype/forms">
+  <Display>DocumentLibraryForm</Display>
+  <Edit>DocumentLibraryForm</Edit>
+  <New>DocumentLibraryForm</New>
+</FormTemplates>
+</file>
+
 <file path=customXml/itemProps1.xml><?xml version="1.0" encoding="utf-8"?>
-<ds:datastoreItem xmlns:ds="http://schemas.openxmlformats.org/officeDocument/2006/customXml" ds:itemID="{F4C7E9DD-FD39-4258-ACCA-161BEA35866B}">
+<ds:datastoreItem xmlns:ds="http://schemas.openxmlformats.org/officeDocument/2006/customXml" ds:itemID="{A0A82F11-A615-41E5-B460-7C061A4C892A}">
   <ds:schemaRefs>
-    <ds:schemaRef ds:uri="http://schemas.microsoft.com/sharepoint/v3/contenttype/forms"/>
+    <ds:schemaRef ds:uri="http://schemas.microsoft.com/office/2006/metadata/contentType"/>
+    <ds:schemaRef ds:uri="http://schemas.microsoft.com/office/2006/metadata/properties/metaAttributes"/>
+    <ds:schemaRef ds:uri="http://www.w3.org/2001/XMLSchema"/>
+    <ds:schemaRef ds:uri="http://schemas.microsoft.com/office/2006/metadata/properties"/>
+    <ds:schemaRef ds:uri="ba304b05-2de2-4a46-be7c-fa23123e7702"/>
+    <ds:schemaRef ds:uri="http://schemas.microsoft.com/office/2006/documentManagement/types"/>
+    <ds:schemaRef ds:uri="http://schemas.microsoft.com/office/infopath/2007/PartnerControls"/>
+    <ds:schemaRef ds:uri="http://schemas.openxmlformats.org/package/2006/metadata/core-properties"/>
+    <ds:schemaRef ds:uri="http://purl.org/dc/elements/1.1/"/>
+    <ds:schemaRef ds:uri="http://purl.org/dc/terms/"/>
+    <ds:schemaRef ds:uri="http://schemas.microsoft.com/internal/obd"/>
   </ds:schemaRefs>
 </ds:datastoreItem>
 </file>
@@ -17090,19 +17027,9 @@
 </file>
 
 <file path=customXml/itemProps3.xml><?xml version="1.0" encoding="utf-8"?>
-<ds:datastoreItem xmlns:ds="http://schemas.openxmlformats.org/officeDocument/2006/customXml" ds:itemID="{A0A82F11-A615-41E5-B460-7C061A4C892A}">
+<ds:datastoreItem xmlns:ds="http://schemas.openxmlformats.org/officeDocument/2006/customXml" ds:itemID="{F4C7E9DD-FD39-4258-ACCA-161BEA35866B}">
   <ds:schemaRefs>
-    <ds:schemaRef ds:uri="http://schemas.microsoft.com/office/2006/metadata/contentType"/>
-    <ds:schemaRef ds:uri="http://schemas.microsoft.com/office/2006/metadata/properties/metaAttributes"/>
-    <ds:schemaRef ds:uri="http://www.w3.org/2001/XMLSchema"/>
-    <ds:schemaRef ds:uri="http://schemas.microsoft.com/office/2006/metadata/properties"/>
-    <ds:schemaRef ds:uri="ba304b05-2de2-4a46-be7c-fa23123e7702"/>
-    <ds:schemaRef ds:uri="http://schemas.microsoft.com/office/2006/documentManagement/types"/>
-    <ds:schemaRef ds:uri="http://schemas.microsoft.com/office/infopath/2007/PartnerControls"/>
-    <ds:schemaRef ds:uri="http://schemas.openxmlformats.org/package/2006/metadata/core-properties"/>
-    <ds:schemaRef ds:uri="http://purl.org/dc/elements/1.1/"/>
-    <ds:schemaRef ds:uri="http://purl.org/dc/terms/"/>
-    <ds:schemaRef ds:uri="http://schemas.microsoft.com/internal/obd"/>
+    <ds:schemaRef ds:uri="http://schemas.microsoft.com/sharepoint/v3/contenttype/forms"/>
   </ds:schemaRefs>
 </ds:datastoreItem>
 </file>
--- a/Documents/TB 2014.10.28.pptx
+++ b/Documents/TB 2014.10.28.pptx
@@ -243,7 +243,7 @@
               <a:pPr>
                 <a:defRPr/>
               </a:pPr>
-              <a:t>25/11/2014</a:t>
+              <a:t>26/01/2015</a:t>
             </a:fld>
             <a:endParaRPr lang="fr-FR"/>
           </a:p>
@@ -8204,7 +8204,7 @@
             <p:ph idx="1"/>
             <p:extLst>
               <p:ext uri="{D42A27DB-BD31-4B8C-83A1-F6EECF244321}">
-                <p14:modId xmlns:p14="http://schemas.microsoft.com/office/powerpoint/2010/main" val="3573933240"/>
+                <p14:modId xmlns:p14="http://schemas.microsoft.com/office/powerpoint/2010/main" val="321589718"/>
               </p:ext>
             </p:extLst>
           </p:nvPr>
@@ -8456,7 +8456,11 @@
                       </a:r>
                       <a:r>
                         <a:rPr lang="fr-FR" sz="1400" b="0" baseline="0" noProof="0" dirty="0" smtClean="0"/>
-                        <a:t>-Pi : 1j/h</a:t>
+                        <a:t> Pi </a:t>
+                      </a:r>
+                      <a:r>
+                        <a:rPr lang="fr-FR" sz="1400" b="0" baseline="0" noProof="0" dirty="0" smtClean="0"/>
+                        <a:t>: 1j/h</a:t>
                       </a:r>
                     </a:p>
                     <a:p>
@@ -8696,7 +8700,7 @@
           <p:nvPr>
             <p:extLst>
               <p:ext uri="{D42A27DB-BD31-4B8C-83A1-F6EECF244321}">
-                <p14:modId xmlns:p14="http://schemas.microsoft.com/office/powerpoint/2010/main" val="605900769"/>
+                <p14:modId xmlns:p14="http://schemas.microsoft.com/office/powerpoint/2010/main" val="2172362720"/>
               </p:ext>
             </p:extLst>
           </p:nvPr>
@@ -8964,8 +8968,9 @@
                       </a:r>
                       <a:r>
                         <a:rPr lang="fr-FR" sz="1400" baseline="0" dirty="0" smtClean="0"/>
-                        <a:t>-Pi</a:t>
+                        <a:t> Pi</a:t>
                       </a:r>
+                      <a:endParaRPr lang="fr-FR" sz="1400" baseline="0" dirty="0" smtClean="0"/>
                     </a:p>
                     <a:p>
                       <a:pPr marL="0" marR="0" indent="0" algn="l" defTabSz="914400" rtl="0" eaLnBrk="1" fontAlgn="auto" latinLnBrk="0" hangingPunct="1">
@@ -9198,11 +9203,6 @@
               </a:rPr>
               <a:t>TB 2014.10.28</a:t>
             </a:r>
-            <a:endParaRPr lang="en-US" sz="1800" dirty="0">
-              <a:solidFill>
-                <a:schemeClr val="tx1"/>
-              </a:solidFill>
-            </a:endParaRPr>
           </a:p>
         </p:txBody>
       </p:sp>
@@ -9279,7 +9279,15 @@
             </a:r>
             <a:r>
               <a:rPr lang="fr-FR" dirty="0" smtClean="0"/>
-              <a:t>14/10/14 u 28/10/14 </a:t>
+              <a:t>14/10/14 </a:t>
+            </a:r>
+            <a:r>
+              <a:rPr lang="fr-FR" dirty="0" smtClean="0"/>
+              <a:t>au </a:t>
+            </a:r>
+            <a:r>
+              <a:rPr lang="fr-FR" dirty="0" smtClean="0"/>
+              <a:t>28/10/14 </a:t>
             </a:r>
             <a:r>
               <a:rPr lang="en-GB" dirty="0"/>
@@ -9330,14 +9338,14 @@
           <p:nvPr>
             <p:extLst>
               <p:ext uri="{D42A27DB-BD31-4B8C-83A1-F6EECF244321}">
-                <p14:modId xmlns:p14="http://schemas.microsoft.com/office/powerpoint/2010/main" val="468675592"/>
+                <p14:modId xmlns:p14="http://schemas.microsoft.com/office/powerpoint/2010/main" val="2288391184"/>
               </p:ext>
             </p:extLst>
           </p:nvPr>
         </p:nvGraphicFramePr>
         <p:xfrm>
           <a:off x="395538" y="1628798"/>
-          <a:ext cx="8424934" cy="4276602"/>
+          <a:ext cx="8424934" cy="4489962"/>
         </p:xfrm>
         <a:graphic>
           <a:graphicData uri="http://schemas.openxmlformats.org/drawingml/2006/table">
@@ -9822,12 +9830,12 @@
                     <a:lstStyle/>
                     <a:p>
                       <a:r>
-                        <a:rPr lang="fr-FR" sz="1400" dirty="0" smtClean="0">
+                        <a:rPr lang="fr-FR" sz="1400" baseline="0" dirty="0" smtClean="0">
                           <a:solidFill>
                             <a:schemeClr val="tx1"/>
                           </a:solidFill>
                         </a:rPr>
-                        <a:t>S.</a:t>
+                        <a:t>A</a:t>
                       </a:r>
                       <a:r>
                         <a:rPr lang="fr-FR" sz="1400" baseline="0" dirty="0" smtClean="0">
@@ -9835,30 +9843,7 @@
                             <a:schemeClr val="tx1"/>
                           </a:solidFill>
                         </a:rPr>
-                        <a:t> </a:t>
-                      </a:r>
-                      <a:r>
-                        <a:rPr lang="fr-FR" sz="1400" baseline="0" dirty="0" err="1" smtClean="0">
-                          <a:solidFill>
-                            <a:schemeClr val="tx1"/>
-                          </a:solidFill>
-                        </a:rPr>
-                        <a:t>Labassi</a:t>
-                      </a:r>
-                      <a:endParaRPr lang="fr-FR" sz="1400" baseline="0" dirty="0" smtClean="0">
-                        <a:solidFill>
-                          <a:schemeClr val="tx1"/>
-                        </a:solidFill>
-                      </a:endParaRPr>
-                    </a:p>
-                    <a:p>
-                      <a:r>
-                        <a:rPr lang="fr-FR" sz="1400" baseline="0" dirty="0" smtClean="0">
-                          <a:solidFill>
-                            <a:schemeClr val="tx1"/>
-                          </a:solidFill>
-                        </a:rPr>
-                        <a:t>A. </a:t>
+                        <a:t>. </a:t>
                       </a:r>
                       <a:r>
                         <a:rPr lang="fr-FR" sz="1400" baseline="0" dirty="0" err="1" smtClean="0">
@@ -9987,6 +9972,14 @@
                     <a:bodyPr/>
                     <a:lstStyle/>
                     <a:p>
+                      <a:r>
+                        <a:rPr lang="fr-FR" sz="1400" dirty="0" smtClean="0">
+                          <a:solidFill>
+                            <a:schemeClr val="tx1"/>
+                          </a:solidFill>
+                        </a:rPr>
+                        <a:t>11/11/14</a:t>
+                      </a:r>
                       <a:endParaRPr lang="fr-FR" sz="1400" dirty="0">
                         <a:solidFill>
                           <a:schemeClr val="tx1"/>
@@ -10107,6 +10100,14 @@
                     <a:bodyPr/>
                     <a:lstStyle/>
                     <a:p>
+                      <a:r>
+                        <a:rPr lang="fr-FR" sz="1400" dirty="0" smtClean="0">
+                          <a:solidFill>
+                            <a:schemeClr val="tx1"/>
+                          </a:solidFill>
+                        </a:rPr>
+                        <a:t>28/10/14</a:t>
+                      </a:r>
                       <a:endParaRPr lang="fr-FR" sz="1400" dirty="0">
                         <a:solidFill>
                           <a:schemeClr val="tx1"/>
@@ -10143,7 +10144,15 @@
                     <a:bodyPr/>
                     <a:lstStyle/>
                     <a:p>
-                      <a:endParaRPr lang="fr-FR" sz="1400">
+                      <a:r>
+                        <a:rPr lang="fr-FR" sz="1400" dirty="0" smtClean="0">
+                          <a:solidFill>
+                            <a:schemeClr val="tx1"/>
+                          </a:solidFill>
+                        </a:rPr>
+                        <a:t>11/11/14</a:t>
+                      </a:r>
+                      <a:endParaRPr lang="fr-FR" sz="1400" dirty="0">
                         <a:solidFill>
                           <a:schemeClr val="tx1"/>
                         </a:solidFill>
@@ -10231,14 +10240,97 @@
                             <a:schemeClr val="tx1"/>
                           </a:solidFill>
                         </a:rPr>
-                        <a:t>T. Fleury</a:t>
+                        <a:t>T. </a:t>
                       </a:r>
-                      <a:endParaRPr lang="fr-FR" sz="1400" dirty="0">
+                      <a:r>
+                        <a:rPr lang="fr-FR" sz="1400" dirty="0" smtClean="0">
+                          <a:solidFill>
+                            <a:schemeClr val="tx1"/>
+                          </a:solidFill>
+                        </a:rPr>
+                        <a:t>Fleury</a:t>
+                      </a:r>
+                    </a:p>
+                    <a:p>
+                      <a:pPr marL="0" marR="0" indent="0" algn="l" defTabSz="914400" rtl="0" eaLnBrk="1" fontAlgn="auto" latinLnBrk="0" hangingPunct="1">
+                        <a:lnSpc>
+                          <a:spcPct val="100000"/>
+                        </a:lnSpc>
+                        <a:spcBef>
+                          <a:spcPts val="0"/>
+                        </a:spcBef>
+                        <a:spcAft>
+                          <a:spcPts val="0"/>
+                        </a:spcAft>
+                        <a:buClrTx/>
+                        <a:buSzTx/>
+                        <a:buFontTx/>
+                        <a:buNone/>
+                        <a:tabLst/>
+                        <a:defRPr/>
+                      </a:pPr>
+                      <a:r>
+                        <a:rPr lang="fr-FR" sz="1400" dirty="0" smtClean="0">
+                          <a:solidFill>
+                            <a:schemeClr val="tx1"/>
+                          </a:solidFill>
+                        </a:rPr>
+                        <a:t>S. </a:t>
+                      </a:r>
+                      <a:r>
+                        <a:rPr lang="fr-FR" sz="1400" dirty="0" err="1" smtClean="0">
+                          <a:solidFill>
+                            <a:schemeClr val="tx1"/>
+                          </a:solidFill>
+                        </a:rPr>
+                        <a:t>Labassi</a:t>
+                      </a:r>
+                      <a:endParaRPr lang="fr-FR" sz="1400" dirty="0" smtClean="0">
                         <a:solidFill>
                           <a:schemeClr val="tx1"/>
                         </a:solidFill>
                       </a:endParaRPr>
                     </a:p>
+                    <a:p>
+                      <a:pPr marL="0" marR="0" indent="0" algn="l" defTabSz="914400" rtl="0" eaLnBrk="1" fontAlgn="auto" latinLnBrk="0" hangingPunct="1">
+                        <a:lnSpc>
+                          <a:spcPct val="100000"/>
+                        </a:lnSpc>
+                        <a:spcBef>
+                          <a:spcPts val="0"/>
+                        </a:spcBef>
+                        <a:spcAft>
+                          <a:spcPts val="0"/>
+                        </a:spcAft>
+                        <a:buClrTx/>
+                        <a:buSzTx/>
+                        <a:buFontTx/>
+                        <a:buNone/>
+                        <a:tabLst/>
+                        <a:defRPr/>
+                      </a:pPr>
+                      <a:r>
+                        <a:rPr lang="fr-FR" sz="1400" dirty="0" smtClean="0">
+                          <a:solidFill>
+                            <a:schemeClr val="tx1"/>
+                          </a:solidFill>
+                        </a:rPr>
+                        <a:t>A. </a:t>
+                      </a:r>
+                      <a:r>
+                        <a:rPr lang="fr-FR" sz="1400" dirty="0" err="1" smtClean="0">
+                          <a:solidFill>
+                            <a:schemeClr val="tx1"/>
+                          </a:solidFill>
+                        </a:rPr>
+                        <a:t>Lavaire</a:t>
+                      </a:r>
+                      <a:endParaRPr lang="fr-FR" sz="1400" dirty="0" smtClean="0">
+                        <a:solidFill>
+                          <a:schemeClr val="tx1"/>
+                        </a:solidFill>
+                      </a:endParaRPr>
+                    </a:p>
                   </a:txBody>
                   <a:tcPr/>
                 </a:tc>
@@ -10247,6 +10339,14 @@
                     <a:bodyPr/>
                     <a:lstStyle/>
                     <a:p>
+                      <a:r>
+                        <a:rPr lang="fr-FR" sz="1400" dirty="0" smtClean="0">
+                          <a:solidFill>
+                            <a:schemeClr val="tx1"/>
+                          </a:solidFill>
+                        </a:rPr>
+                        <a:t>28/10/14</a:t>
+                      </a:r>
                       <a:endParaRPr lang="fr-FR" sz="1400" dirty="0">
                         <a:solidFill>
                           <a:schemeClr val="tx1"/>
@@ -10283,7 +10383,15 @@
                     <a:bodyPr/>
                     <a:lstStyle/>
                     <a:p>
-                      <a:endParaRPr lang="fr-FR" sz="1400">
+                      <a:r>
+                        <a:rPr lang="fr-FR" sz="1400" dirty="0" smtClean="0">
+                          <a:solidFill>
+                            <a:schemeClr val="tx1"/>
+                          </a:solidFill>
+                        </a:rPr>
+                        <a:t>18/11/14</a:t>
+                      </a:r>
+                      <a:endParaRPr lang="fr-FR" sz="1400" dirty="0">
                         <a:solidFill>
                           <a:schemeClr val="tx1"/>
                         </a:solidFill>
@@ -10419,6 +10527,14 @@
                     <a:bodyPr/>
                     <a:lstStyle/>
                     <a:p>
+                      <a:r>
+                        <a:rPr lang="fr-FR" sz="1400" dirty="0" smtClean="0">
+                          <a:solidFill>
+                            <a:schemeClr val="tx1"/>
+                          </a:solidFill>
+                        </a:rPr>
+                        <a:t>15/01/15</a:t>
+                      </a:r>
                       <a:endParaRPr lang="fr-FR" sz="1400" dirty="0">
                         <a:solidFill>
                           <a:schemeClr val="tx1"/>
@@ -10455,7 +10571,15 @@
                     <a:bodyPr/>
                     <a:lstStyle/>
                     <a:p>
-                      <a:endParaRPr lang="fr-FR" sz="1400">
+                      <a:r>
+                        <a:rPr lang="fr-FR" sz="1400" dirty="0" smtClean="0">
+                          <a:solidFill>
+                            <a:schemeClr val="tx1"/>
+                          </a:solidFill>
+                        </a:rPr>
+                        <a:t>26/01/15</a:t>
+                      </a:r>
+                      <a:endParaRPr lang="fr-FR" sz="1400" dirty="0">
                         <a:solidFill>
                           <a:schemeClr val="tx1"/>
                         </a:solidFill>
@@ -10721,7 +10845,6 @@
               <a:rPr lang="en-US" dirty="0"/>
               <a:t>TB 2014.10.28</a:t>
             </a:r>
-            <a:endParaRPr lang="en-US" dirty="0"/>
           </a:p>
         </p:txBody>
       </p:sp>
@@ -10835,7 +10958,7 @@
           <p:nvPr>
             <p:extLst>
               <p:ext uri="{D42A27DB-BD31-4B8C-83A1-F6EECF244321}">
-                <p14:modId xmlns:p14="http://schemas.microsoft.com/office/powerpoint/2010/main" val="2598168549"/>
+                <p14:modId xmlns:p14="http://schemas.microsoft.com/office/powerpoint/2010/main" val="133989660"/>
               </p:ext>
             </p:extLst>
           </p:nvPr>
@@ -11284,15 +11407,12 @@
                         <a:tabLst/>
                         <a:defRPr/>
                       </a:pPr>
-                      <a:r>
-                        <a:rPr lang="fr-FR" sz="1400" dirty="0" smtClean="0">
-                          <a:solidFill>
-                            <a:schemeClr val="tx1"/>
-                          </a:solidFill>
-                          <a:latin typeface="+mn-lt"/>
-                        </a:rPr>
-                        <a:t>28/11/14</a:t>
-                      </a:r>
+                      <a:endParaRPr lang="fr-FR" sz="1400" dirty="0" smtClean="0">
+                        <a:solidFill>
+                          <a:schemeClr val="tx1"/>
+                        </a:solidFill>
+                        <a:latin typeface="+mn-lt"/>
+                      </a:endParaRPr>
                     </a:p>
                   </a:txBody>
                   <a:tcPr/>
@@ -12077,7 +12197,6 @@
               <a:rPr lang="en-US" dirty="0"/>
               <a:t>TB 2014.10.28</a:t>
             </a:r>
-            <a:endParaRPr lang="en-US" dirty="0"/>
           </a:p>
         </p:txBody>
       </p:sp>
@@ -16823,6 +16942,25 @@
 </file>
 
 <file path=customXml/item1.xml><?xml version="1.0" encoding="utf-8"?>
+<?mso-contentType ?>
+<FormTemplates xmlns="http://schemas.microsoft.com/sharepoint/v3/contenttype/forms">
+  <Display>DocumentLibraryForm</Display>
+  <Edit>DocumentLibraryForm</Edit>
+  <New>DocumentLibraryForm</New>
+</FormTemplates>
+</file>
+
+<file path=customXml/item2.xml><?xml version="1.0" encoding="utf-8"?>
+<p:properties xmlns:p="http://schemas.microsoft.com/office/2006/metadata/properties" xmlns:xsi="http://www.w3.org/2001/XMLSchema-instance" xmlns:pc="http://schemas.microsoft.com/office/infopath/2007/PartnerControls">
+  <documentManagement>
+    <DESCRIPTION0 xmlns="ba304b05-2de2-4a46-be7c-fa23123e7702">Exemple de Modele de TB-projet</DESCRIPTION0>
+    <Cat_x00e9_gorie xmlns="ba304b05-2de2-4a46-be7c-fa23123e7702">Etude</Cat_x00e9_gorie>
+    <Statut xmlns="ba304b05-2de2-4a46-be7c-fa23123e7702">Encours</Statut>
+  </documentManagement>
+</p:properties>
+</file>
+
+<file path=customXml/item3.xml><?xml version="1.0" encoding="utf-8"?>
 <ct:contentTypeSchema xmlns:ct="http://schemas.microsoft.com/office/2006/metadata/contentType" xmlns:ma="http://schemas.microsoft.com/office/2006/metadata/properties/metaAttributes" ct:_="" ma:_="" ma:contentTypeName="Document" ma:contentTypeID="0x010100F4FB27D112975140984A018D31E93D46" ma:contentTypeVersion="6" ma:contentTypeDescription="Crée un document." ma:contentTypeScope="" ma:versionID="cd1a5a7e3b4fab495c8d03ccfa007047">
   <xsd:schema xmlns:xsd="http://www.w3.org/2001/XMLSchema" xmlns:xs="http://www.w3.org/2001/XMLSchema" xmlns:p="http://schemas.microsoft.com/office/2006/metadata/properties" xmlns:ns2="ba304b05-2de2-4a46-be7c-fa23123e7702" targetNamespace="http://schemas.microsoft.com/office/2006/metadata/properties" ma:root="true" ma:fieldsID="17380a433e5f01ac948fc83ff4e94548" ns2:_="">
     <xsd:import namespace="ba304b05-2de2-4a46-be7c-fa23123e7702"/>
@@ -16973,39 +17111,10 @@
 </ct:contentTypeSchema>
 </file>
 
-<file path=customXml/item2.xml><?xml version="1.0" encoding="utf-8"?>
-<p:properties xmlns:p="http://schemas.microsoft.com/office/2006/metadata/properties" xmlns:xsi="http://www.w3.org/2001/XMLSchema-instance" xmlns:pc="http://schemas.microsoft.com/office/infopath/2007/PartnerControls">
-  <documentManagement>
-    <DESCRIPTION0 xmlns="ba304b05-2de2-4a46-be7c-fa23123e7702">Exemple de Modele de TB-projet</DESCRIPTION0>
-    <Cat_x00e9_gorie xmlns="ba304b05-2de2-4a46-be7c-fa23123e7702">Etude</Cat_x00e9_gorie>
-    <Statut xmlns="ba304b05-2de2-4a46-be7c-fa23123e7702">Encours</Statut>
-  </documentManagement>
-</p:properties>
-</file>
-
-<file path=customXml/item3.xml><?xml version="1.0" encoding="utf-8"?>
-<?mso-contentType ?>
-<FormTemplates xmlns="http://schemas.microsoft.com/sharepoint/v3/contenttype/forms">
-  <Display>DocumentLibraryForm</Display>
-  <Edit>DocumentLibraryForm</Edit>
-  <New>DocumentLibraryForm</New>
-</FormTemplates>
-</file>
-
 <file path=customXml/itemProps1.xml><?xml version="1.0" encoding="utf-8"?>
-<ds:datastoreItem xmlns:ds="http://schemas.openxmlformats.org/officeDocument/2006/customXml" ds:itemID="{A0A82F11-A615-41E5-B460-7C061A4C892A}">
+<ds:datastoreItem xmlns:ds="http://schemas.openxmlformats.org/officeDocument/2006/customXml" ds:itemID="{F4C7E9DD-FD39-4258-ACCA-161BEA35866B}">
   <ds:schemaRefs>
-    <ds:schemaRef ds:uri="http://schemas.microsoft.com/office/2006/metadata/contentType"/>
-    <ds:schemaRef ds:uri="http://schemas.microsoft.com/office/2006/metadata/properties/metaAttributes"/>
-    <ds:schemaRef ds:uri="http://www.w3.org/2001/XMLSchema"/>
-    <ds:schemaRef ds:uri="http://schemas.microsoft.com/office/2006/metadata/properties"/>
-    <ds:schemaRef ds:uri="ba304b05-2de2-4a46-be7c-fa23123e7702"/>
-    <ds:schemaRef ds:uri="http://schemas.microsoft.com/office/2006/documentManagement/types"/>
-    <ds:schemaRef ds:uri="http://schemas.microsoft.com/office/infopath/2007/PartnerControls"/>
-    <ds:schemaRef ds:uri="http://schemas.openxmlformats.org/package/2006/metadata/core-properties"/>
-    <ds:schemaRef ds:uri="http://purl.org/dc/elements/1.1/"/>
-    <ds:schemaRef ds:uri="http://purl.org/dc/terms/"/>
-    <ds:schemaRef ds:uri="http://schemas.microsoft.com/internal/obd"/>
+    <ds:schemaRef ds:uri="http://schemas.microsoft.com/sharepoint/v3/contenttype/forms"/>
   </ds:schemaRefs>
 </ds:datastoreItem>
 </file>
@@ -17027,9 +17136,19 @@
 </file>
 
 <file path=customXml/itemProps3.xml><?xml version="1.0" encoding="utf-8"?>
-<ds:datastoreItem xmlns:ds="http://schemas.openxmlformats.org/officeDocument/2006/customXml" ds:itemID="{F4C7E9DD-FD39-4258-ACCA-161BEA35866B}">
+<ds:datastoreItem xmlns:ds="http://schemas.openxmlformats.org/officeDocument/2006/customXml" ds:itemID="{A0A82F11-A615-41E5-B460-7C061A4C892A}">
   <ds:schemaRefs>
-    <ds:schemaRef ds:uri="http://schemas.microsoft.com/sharepoint/v3/contenttype/forms"/>
+    <ds:schemaRef ds:uri="http://schemas.microsoft.com/office/2006/metadata/contentType"/>
+    <ds:schemaRef ds:uri="http://schemas.microsoft.com/office/2006/metadata/properties/metaAttributes"/>
+    <ds:schemaRef ds:uri="http://www.w3.org/2001/XMLSchema"/>
+    <ds:schemaRef ds:uri="http://schemas.microsoft.com/office/2006/metadata/properties"/>
+    <ds:schemaRef ds:uri="ba304b05-2de2-4a46-be7c-fa23123e7702"/>
+    <ds:schemaRef ds:uri="http://schemas.microsoft.com/office/2006/documentManagement/types"/>
+    <ds:schemaRef ds:uri="http://schemas.microsoft.com/office/infopath/2007/PartnerControls"/>
+    <ds:schemaRef ds:uri="http://schemas.openxmlformats.org/package/2006/metadata/core-properties"/>
+    <ds:schemaRef ds:uri="http://purl.org/dc/elements/1.1/"/>
+    <ds:schemaRef ds:uri="http://purl.org/dc/terms/"/>
+    <ds:schemaRef ds:uri="http://schemas.microsoft.com/internal/obd"/>
   </ds:schemaRefs>
 </ds:datastoreItem>
 </file>